--- a/Eartha White Museum.pptx
+++ b/Eartha White Museum.pptx
@@ -7,10 +7,13 @@
   <p:sldIdLst>
     <p:sldId id="256" r:id="rId2"/>
     <p:sldId id="257" r:id="rId3"/>
-    <p:sldId id="258" r:id="rId4"/>
-    <p:sldId id="259" r:id="rId5"/>
-    <p:sldId id="260" r:id="rId6"/>
-    <p:sldId id="261" r:id="rId7"/>
+    <p:sldId id="262" r:id="rId4"/>
+    <p:sldId id="263" r:id="rId5"/>
+    <p:sldId id="264" r:id="rId6"/>
+    <p:sldId id="258" r:id="rId7"/>
+    <p:sldId id="259" r:id="rId8"/>
+    <p:sldId id="260" r:id="rId9"/>
+    <p:sldId id="261" r:id="rId10"/>
   </p:sldIdLst>
   <p:sldSz cx="12192000" cy="6858000"/>
   <p:notesSz cx="6858000" cy="9144000"/>
@@ -280,7 +283,7 @@
           <a:p>
             <a:fld id="{9FE0FDEF-8E04-7C4B-A960-3FA94A1ACA8B}" type="datetimeFigureOut">
               <a:rPr lang="en-US" smtClean="0"/>
-              <a:t>3/26/23</a:t>
+              <a:t>3/27/2023</a:t>
             </a:fld>
             <a:endParaRPr lang="en-US"/>
           </a:p>
@@ -450,7 +453,7 @@
           <a:p>
             <a:fld id="{9FE0FDEF-8E04-7C4B-A960-3FA94A1ACA8B}" type="datetimeFigureOut">
               <a:rPr lang="en-US" smtClean="0"/>
-              <a:t>3/26/23</a:t>
+              <a:t>3/27/2023</a:t>
             </a:fld>
             <a:endParaRPr lang="en-US"/>
           </a:p>
@@ -630,7 +633,7 @@
           <a:p>
             <a:fld id="{9FE0FDEF-8E04-7C4B-A960-3FA94A1ACA8B}" type="datetimeFigureOut">
               <a:rPr lang="en-US" smtClean="0"/>
-              <a:t>3/26/23</a:t>
+              <a:t>3/27/2023</a:t>
             </a:fld>
             <a:endParaRPr lang="en-US"/>
           </a:p>
@@ -800,7 +803,7 @@
           <a:p>
             <a:fld id="{9FE0FDEF-8E04-7C4B-A960-3FA94A1ACA8B}" type="datetimeFigureOut">
               <a:rPr lang="en-US" smtClean="0"/>
-              <a:t>3/26/23</a:t>
+              <a:t>3/27/2023</a:t>
             </a:fld>
             <a:endParaRPr lang="en-US"/>
           </a:p>
@@ -1068,7 +1071,7 @@
           <a:p>
             <a:fld id="{9FE0FDEF-8E04-7C4B-A960-3FA94A1ACA8B}" type="datetimeFigureOut">
               <a:rPr lang="en-US" smtClean="0"/>
-              <a:t>3/26/23</a:t>
+              <a:t>3/27/2023</a:t>
             </a:fld>
             <a:endParaRPr lang="en-US"/>
           </a:p>
@@ -1300,7 +1303,7 @@
           <a:p>
             <a:fld id="{9FE0FDEF-8E04-7C4B-A960-3FA94A1ACA8B}" type="datetimeFigureOut">
               <a:rPr lang="en-US" smtClean="0"/>
-              <a:t>3/26/23</a:t>
+              <a:t>3/27/2023</a:t>
             </a:fld>
             <a:endParaRPr lang="en-US"/>
           </a:p>
@@ -1659,7 +1662,7 @@
           <a:p>
             <a:fld id="{9FE0FDEF-8E04-7C4B-A960-3FA94A1ACA8B}" type="datetimeFigureOut">
               <a:rPr lang="en-US" smtClean="0"/>
-              <a:t>3/26/23</a:t>
+              <a:t>3/27/2023</a:t>
             </a:fld>
             <a:endParaRPr lang="en-US"/>
           </a:p>
@@ -1800,7 +1803,7 @@
           <a:p>
             <a:fld id="{9FE0FDEF-8E04-7C4B-A960-3FA94A1ACA8B}" type="datetimeFigureOut">
               <a:rPr lang="en-US" smtClean="0"/>
-              <a:t>3/26/23</a:t>
+              <a:t>3/27/2023</a:t>
             </a:fld>
             <a:endParaRPr lang="en-US"/>
           </a:p>
@@ -1895,7 +1898,7 @@
           <a:p>
             <a:fld id="{9FE0FDEF-8E04-7C4B-A960-3FA94A1ACA8B}" type="datetimeFigureOut">
               <a:rPr lang="en-US" smtClean="0"/>
-              <a:t>3/26/23</a:t>
+              <a:t>3/27/2023</a:t>
             </a:fld>
             <a:endParaRPr lang="en-US"/>
           </a:p>
@@ -2252,7 +2255,7 @@
           <a:p>
             <a:fld id="{9FE0FDEF-8E04-7C4B-A960-3FA94A1ACA8B}" type="datetimeFigureOut">
               <a:rPr lang="en-US" smtClean="0"/>
-              <a:t>3/26/23</a:t>
+              <a:t>3/27/2023</a:t>
             </a:fld>
             <a:endParaRPr lang="en-US"/>
           </a:p>
@@ -2609,7 +2612,7 @@
           <a:p>
             <a:fld id="{9FE0FDEF-8E04-7C4B-A960-3FA94A1ACA8B}" type="datetimeFigureOut">
               <a:rPr lang="en-US" smtClean="0"/>
-              <a:t>3/26/23</a:t>
+              <a:t>3/27/2023</a:t>
             </a:fld>
             <a:endParaRPr lang="en-US"/>
           </a:p>
@@ -2851,7 +2854,7 @@
           <a:p>
             <a:fld id="{9FE0FDEF-8E04-7C4B-A960-3FA94A1ACA8B}" type="datetimeFigureOut">
               <a:rPr lang="en-US" smtClean="0"/>
-              <a:t>3/26/23</a:t>
+              <a:t>3/27/2023</a:t>
             </a:fld>
             <a:endParaRPr lang="en-US"/>
           </a:p>
@@ -3505,7 +3508,7 @@
           <p:cNvPr id="2" name="Title 1">
             <a:extLst>
               <a:ext uri="{FF2B5EF4-FFF2-40B4-BE49-F238E27FC236}">
-                <a16:creationId xmlns:a16="http://schemas.microsoft.com/office/drawing/2014/main" id="{C28E3697-AE3F-0F49-9FDE-C06A254ABCF7}"/>
+                <a16:creationId xmlns:a16="http://schemas.microsoft.com/office/drawing/2014/main" id="{CED8C947-134A-85B8-7DCF-08731632D463}"/>
               </a:ext>
             </a:extLst>
           </p:cNvPr>
@@ -3523,7 +3526,7 @@
           <a:p>
             <a:r>
               <a:rPr lang="en-US" dirty="0"/>
-              <a:t>Key features</a:t>
+              <a:t>The museum</a:t>
             </a:r>
           </a:p>
         </p:txBody>
@@ -3533,7 +3536,7 @@
           <p:cNvPr id="3" name="Content Placeholder 2">
             <a:extLst>
               <a:ext uri="{FF2B5EF4-FFF2-40B4-BE49-F238E27FC236}">
-                <a16:creationId xmlns:a16="http://schemas.microsoft.com/office/drawing/2014/main" id="{AD865914-5AB7-6C4F-A45D-35038EC05BE2}"/>
+                <a16:creationId xmlns:a16="http://schemas.microsoft.com/office/drawing/2014/main" id="{D318DF1A-FAA5-41E1-FA95-BC924388D25D}"/>
               </a:ext>
             </a:extLst>
           </p:cNvPr>
@@ -3551,25 +3554,32 @@
           <a:p>
             <a:r>
               <a:rPr lang="en-US" dirty="0"/>
-              <a:t>Heads Up Display (HUD)</a:t>
-            </a:r>
-          </a:p>
-          <a:p>
-            <a:endParaRPr lang="en-US" dirty="0"/>
-          </a:p>
-          <a:p>
+              <a:t>Dedicated to Clara White and het Daughter Dr. Eartha White</a:t>
+            </a:r>
+          </a:p>
+          <a:p>
+            <a:pPr lvl="1"/>
             <a:r>
               <a:rPr lang="en-US" dirty="0"/>
-              <a:t>Shortest Path Mapping</a:t>
-            </a:r>
-          </a:p>
-          <a:p>
-            <a:endParaRPr lang="en-US" dirty="0"/>
+              <a:t>Both were dedicated humanitarians </a:t>
+            </a:r>
           </a:p>
           <a:p>
             <a:r>
               <a:rPr lang="en-US" dirty="0"/>
-              <a:t>Selectable and Manipulatable exhibit items</a:t>
+              <a:t>Contains personal belongings of Eartha White</a:t>
+            </a:r>
+          </a:p>
+          <a:p>
+            <a:r>
+              <a:rPr lang="en-US" dirty="0"/>
+              <a:t>Portrays her daily life</a:t>
+            </a:r>
+          </a:p>
+          <a:p>
+            <a:r>
+              <a:rPr lang="en-US" dirty="0"/>
+              <a:t>Located at the Clara White Mission building</a:t>
             </a:r>
           </a:p>
         </p:txBody>
@@ -3577,7 +3587,7 @@
     </p:spTree>
     <p:extLst>
       <p:ext uri="{BB962C8B-B14F-4D97-AF65-F5344CB8AC3E}">
-        <p14:creationId xmlns:p14="http://schemas.microsoft.com/office/powerpoint/2010/main" val="1614773348"/>
+        <p14:creationId xmlns:p14="http://schemas.microsoft.com/office/powerpoint/2010/main" val="1458444008"/>
       </p:ext>
     </p:extLst>
   </p:cSld>
@@ -3609,7 +3619,7 @@
           <p:cNvPr id="2" name="Title 1">
             <a:extLst>
               <a:ext uri="{FF2B5EF4-FFF2-40B4-BE49-F238E27FC236}">
-                <a16:creationId xmlns:a16="http://schemas.microsoft.com/office/drawing/2014/main" id="{4C3EA36F-8D5D-C84F-8925-BE1B2CDE3866}"/>
+                <a16:creationId xmlns:a16="http://schemas.microsoft.com/office/drawing/2014/main" id="{E6F6B56F-15D5-136D-A9C8-44DC983F69B4}"/>
               </a:ext>
             </a:extLst>
           </p:cNvPr>
@@ -3627,7 +3637,7 @@
           <a:p>
             <a:r>
               <a:rPr lang="en-US" dirty="0"/>
-              <a:t>Heads Up Display</a:t>
+              <a:t>The Clara white mission</a:t>
             </a:r>
           </a:p>
         </p:txBody>
@@ -3637,7 +3647,7 @@
           <p:cNvPr id="3" name="Content Placeholder 2">
             <a:extLst>
               <a:ext uri="{FF2B5EF4-FFF2-40B4-BE49-F238E27FC236}">
-                <a16:creationId xmlns:a16="http://schemas.microsoft.com/office/drawing/2014/main" id="{6EF8F6D0-B3B1-5A49-9043-2178C24CF062}"/>
+                <a16:creationId xmlns:a16="http://schemas.microsoft.com/office/drawing/2014/main" id="{B669F5FE-8D78-A331-9E1A-0947FD1DC473}"/>
               </a:ext>
             </a:extLst>
           </p:cNvPr>
@@ -3655,34 +3665,55 @@
           <a:p>
             <a:r>
               <a:rPr lang="en-US" dirty="0"/>
-              <a:t>Most virtual experiences focus heavily on WIMP selection methods.  This project will leverage a HUD to allow the user to scroll through museum sections and featured exhibits</a:t>
-            </a:r>
-          </a:p>
-          <a:p>
+              <a:t>Founded by Eartha White in honor of her mother</a:t>
+            </a:r>
+          </a:p>
+          <a:p>
+            <a:pPr lvl="1"/>
             <a:r>
               <a:rPr lang="en-US" dirty="0"/>
-              <a:t>The right side of the display will be nested menus, beginning with the sections of the museum, additionally, a search option will be available</a:t>
+              <a:t>Provides meals for the area's homeless population</a:t>
+            </a:r>
+          </a:p>
+          <a:p>
+            <a:pPr lvl="2"/>
+            <a:r>
+              <a:rPr lang="en-US" dirty="0"/>
+              <a:t>400-500 people served daily</a:t>
             </a:r>
           </a:p>
           <a:p>
             <a:pPr lvl="1"/>
             <a:r>
               <a:rPr lang="en-US" dirty="0"/>
-              <a:t>Within each section will be the large exhibits broken down by subsection</a:t>
-            </a:r>
-          </a:p>
-          <a:p>
+              <a:t>job training </a:t>
+            </a:r>
+          </a:p>
+          <a:p>
+            <a:pPr lvl="1"/>
             <a:r>
               <a:rPr lang="en-US" dirty="0"/>
-              <a:t>The left side of the display will feature section and/or exhibit descriptions when one is selected.</a:t>
-            </a:r>
+              <a:t>housing for homeless veterans</a:t>
+            </a:r>
+          </a:p>
+          <a:p>
+            <a:r>
+              <a:rPr lang="en-US" dirty="0"/>
+              <a:t>Overall, the mission is to reduce homelessness through their programs</a:t>
+            </a:r>
+          </a:p>
+          <a:p>
+            <a:pPr marL="0" indent="0">
+              <a:buNone/>
+            </a:pPr>
+            <a:endParaRPr lang="en-US" dirty="0"/>
           </a:p>
         </p:txBody>
       </p:sp>
     </p:spTree>
     <p:extLst>
       <p:ext uri="{BB962C8B-B14F-4D97-AF65-F5344CB8AC3E}">
-        <p14:creationId xmlns:p14="http://schemas.microsoft.com/office/powerpoint/2010/main" val="2321724914"/>
+        <p14:creationId xmlns:p14="http://schemas.microsoft.com/office/powerpoint/2010/main" val="2402566519"/>
       </p:ext>
     </p:extLst>
   </p:cSld>
@@ -3714,6 +3745,348 @@
           <p:cNvPr id="2" name="Title 1">
             <a:extLst>
               <a:ext uri="{FF2B5EF4-FFF2-40B4-BE49-F238E27FC236}">
+                <a16:creationId xmlns:a16="http://schemas.microsoft.com/office/drawing/2014/main" id="{630F2CAE-D6CD-385E-5EF8-19FC9C280701}"/>
+              </a:ext>
+            </a:extLst>
+          </p:cNvPr>
+          <p:cNvSpPr>
+            <a:spLocks noGrp="1"/>
+          </p:cNvSpPr>
+          <p:nvPr>
+            <p:ph type="title"/>
+          </p:nvPr>
+        </p:nvSpPr>
+        <p:spPr/>
+        <p:txBody>
+          <a:bodyPr/>
+          <a:lstStyle/>
+          <a:p>
+            <a:r>
+              <a:rPr lang="en-US" dirty="0"/>
+              <a:t>Previous Work</a:t>
+            </a:r>
+          </a:p>
+        </p:txBody>
+      </p:sp>
+      <p:sp>
+        <p:nvSpPr>
+          <p:cNvPr id="3" name="Content Placeholder 2">
+            <a:extLst>
+              <a:ext uri="{FF2B5EF4-FFF2-40B4-BE49-F238E27FC236}">
+                <a16:creationId xmlns:a16="http://schemas.microsoft.com/office/drawing/2014/main" id="{583BE2CE-47F5-81A0-1EF7-86C371957457}"/>
+              </a:ext>
+            </a:extLst>
+          </p:cNvPr>
+          <p:cNvSpPr>
+            <a:spLocks noGrp="1"/>
+          </p:cNvSpPr>
+          <p:nvPr>
+            <p:ph idx="1"/>
+          </p:nvPr>
+        </p:nvSpPr>
+        <p:spPr/>
+        <p:txBody>
+          <a:bodyPr/>
+          <a:lstStyle/>
+          <a:p>
+            <a:r>
+              <a:rPr lang="en-US" dirty="0"/>
+              <a:t>The Louvre</a:t>
+            </a:r>
+          </a:p>
+          <a:p>
+            <a:pPr lvl="1"/>
+            <a:r>
+              <a:rPr lang="en-US" dirty="0"/>
+              <a:t>Created a VR application to showcase the Mona Lisa in a 3d environment</a:t>
+            </a:r>
+          </a:p>
+          <a:p>
+            <a:r>
+              <a:rPr lang="en-US" dirty="0"/>
+              <a:t>Peterson Automotive Museum</a:t>
+            </a:r>
+          </a:p>
+          <a:p>
+            <a:pPr lvl="1"/>
+            <a:r>
+              <a:rPr lang="en-US" dirty="0"/>
+              <a:t>Showcases the Ford GT40 alongside a 2017 Ford GT</a:t>
+            </a:r>
+          </a:p>
+          <a:p>
+            <a:pPr lvl="2"/>
+            <a:r>
+              <a:rPr lang="en-US" dirty="0"/>
+              <a:t>Showcases engines, airflow, and sounds</a:t>
+            </a:r>
+          </a:p>
+          <a:p>
+            <a:r>
+              <a:rPr lang="en-US" dirty="0" err="1"/>
+              <a:t>Guggenhein’s</a:t>
+            </a:r>
+            <a:r>
+              <a:rPr lang="en-US" dirty="0"/>
+              <a:t> Spiral Staircase</a:t>
+            </a:r>
+          </a:p>
+          <a:p>
+            <a:pPr lvl="1"/>
+            <a:r>
+              <a:rPr lang="en-US" dirty="0"/>
+              <a:t>Google Street View</a:t>
+            </a:r>
+          </a:p>
+          <a:p>
+            <a:endParaRPr lang="en-US" dirty="0"/>
+          </a:p>
+        </p:txBody>
+      </p:sp>
+    </p:spTree>
+    <p:extLst>
+      <p:ext uri="{BB962C8B-B14F-4D97-AF65-F5344CB8AC3E}">
+        <p14:creationId xmlns:p14="http://schemas.microsoft.com/office/powerpoint/2010/main" val="2318146160"/>
+      </p:ext>
+    </p:extLst>
+  </p:cSld>
+  <p:clrMapOvr>
+    <a:masterClrMapping/>
+  </p:clrMapOvr>
+</p:sld>
+</file>
+
+<file path=ppt/slides/slide6.xml><?xml version="1.0" encoding="utf-8"?>
+<p:sld xmlns:a="http://schemas.openxmlformats.org/drawingml/2006/main" xmlns:r="http://schemas.openxmlformats.org/officeDocument/2006/relationships" xmlns:p="http://schemas.openxmlformats.org/presentationml/2006/main">
+  <p:cSld>
+    <p:spTree>
+      <p:nvGrpSpPr>
+        <p:cNvPr id="1" name=""/>
+        <p:cNvGrpSpPr/>
+        <p:nvPr/>
+      </p:nvGrpSpPr>
+      <p:grpSpPr>
+        <a:xfrm>
+          <a:off x="0" y="0"/>
+          <a:ext cx="0" cy="0"/>
+          <a:chOff x="0" y="0"/>
+          <a:chExt cx="0" cy="0"/>
+        </a:xfrm>
+      </p:grpSpPr>
+      <p:sp>
+        <p:nvSpPr>
+          <p:cNvPr id="2" name="Title 1">
+            <a:extLst>
+              <a:ext uri="{FF2B5EF4-FFF2-40B4-BE49-F238E27FC236}">
+                <a16:creationId xmlns:a16="http://schemas.microsoft.com/office/drawing/2014/main" id="{C28E3697-AE3F-0F49-9FDE-C06A254ABCF7}"/>
+              </a:ext>
+            </a:extLst>
+          </p:cNvPr>
+          <p:cNvSpPr>
+            <a:spLocks noGrp="1"/>
+          </p:cNvSpPr>
+          <p:nvPr>
+            <p:ph type="title"/>
+          </p:nvPr>
+        </p:nvSpPr>
+        <p:spPr/>
+        <p:txBody>
+          <a:bodyPr/>
+          <a:lstStyle/>
+          <a:p>
+            <a:r>
+              <a:rPr lang="en-US" dirty="0"/>
+              <a:t>Key features</a:t>
+            </a:r>
+          </a:p>
+        </p:txBody>
+      </p:sp>
+      <p:sp>
+        <p:nvSpPr>
+          <p:cNvPr id="3" name="Content Placeholder 2">
+            <a:extLst>
+              <a:ext uri="{FF2B5EF4-FFF2-40B4-BE49-F238E27FC236}">
+                <a16:creationId xmlns:a16="http://schemas.microsoft.com/office/drawing/2014/main" id="{AD865914-5AB7-6C4F-A45D-35038EC05BE2}"/>
+              </a:ext>
+            </a:extLst>
+          </p:cNvPr>
+          <p:cNvSpPr>
+            <a:spLocks noGrp="1"/>
+          </p:cNvSpPr>
+          <p:nvPr>
+            <p:ph idx="1"/>
+          </p:nvPr>
+        </p:nvSpPr>
+        <p:spPr/>
+        <p:txBody>
+          <a:bodyPr/>
+          <a:lstStyle/>
+          <a:p>
+            <a:r>
+              <a:rPr lang="en-US" dirty="0"/>
+              <a:t>Heads Up Display (HUD)</a:t>
+            </a:r>
+          </a:p>
+          <a:p>
+            <a:endParaRPr lang="en-US" dirty="0"/>
+          </a:p>
+          <a:p>
+            <a:r>
+              <a:rPr lang="en-US" dirty="0"/>
+              <a:t>Shortest Path Mapping</a:t>
+            </a:r>
+          </a:p>
+          <a:p>
+            <a:endParaRPr lang="en-US" dirty="0"/>
+          </a:p>
+          <a:p>
+            <a:r>
+              <a:rPr lang="en-US" dirty="0"/>
+              <a:t>Selectable and Manipulatable exhibit items</a:t>
+            </a:r>
+          </a:p>
+        </p:txBody>
+      </p:sp>
+    </p:spTree>
+    <p:extLst>
+      <p:ext uri="{BB962C8B-B14F-4D97-AF65-F5344CB8AC3E}">
+        <p14:creationId xmlns:p14="http://schemas.microsoft.com/office/powerpoint/2010/main" val="1614773348"/>
+      </p:ext>
+    </p:extLst>
+  </p:cSld>
+  <p:clrMapOvr>
+    <a:masterClrMapping/>
+  </p:clrMapOvr>
+</p:sld>
+</file>
+
+<file path=ppt/slides/slide7.xml><?xml version="1.0" encoding="utf-8"?>
+<p:sld xmlns:a="http://schemas.openxmlformats.org/drawingml/2006/main" xmlns:r="http://schemas.openxmlformats.org/officeDocument/2006/relationships" xmlns:p="http://schemas.openxmlformats.org/presentationml/2006/main">
+  <p:cSld>
+    <p:spTree>
+      <p:nvGrpSpPr>
+        <p:cNvPr id="1" name=""/>
+        <p:cNvGrpSpPr/>
+        <p:nvPr/>
+      </p:nvGrpSpPr>
+      <p:grpSpPr>
+        <a:xfrm>
+          <a:off x="0" y="0"/>
+          <a:ext cx="0" cy="0"/>
+          <a:chOff x="0" y="0"/>
+          <a:chExt cx="0" cy="0"/>
+        </a:xfrm>
+      </p:grpSpPr>
+      <p:sp>
+        <p:nvSpPr>
+          <p:cNvPr id="2" name="Title 1">
+            <a:extLst>
+              <a:ext uri="{FF2B5EF4-FFF2-40B4-BE49-F238E27FC236}">
+                <a16:creationId xmlns:a16="http://schemas.microsoft.com/office/drawing/2014/main" id="{4C3EA36F-8D5D-C84F-8925-BE1B2CDE3866}"/>
+              </a:ext>
+            </a:extLst>
+          </p:cNvPr>
+          <p:cNvSpPr>
+            <a:spLocks noGrp="1"/>
+          </p:cNvSpPr>
+          <p:nvPr>
+            <p:ph type="title"/>
+          </p:nvPr>
+        </p:nvSpPr>
+        <p:spPr/>
+        <p:txBody>
+          <a:bodyPr/>
+          <a:lstStyle/>
+          <a:p>
+            <a:r>
+              <a:rPr lang="en-US" dirty="0"/>
+              <a:t>Heads Up Display</a:t>
+            </a:r>
+          </a:p>
+        </p:txBody>
+      </p:sp>
+      <p:sp>
+        <p:nvSpPr>
+          <p:cNvPr id="3" name="Content Placeholder 2">
+            <a:extLst>
+              <a:ext uri="{FF2B5EF4-FFF2-40B4-BE49-F238E27FC236}">
+                <a16:creationId xmlns:a16="http://schemas.microsoft.com/office/drawing/2014/main" id="{6EF8F6D0-B3B1-5A49-9043-2178C24CF062}"/>
+              </a:ext>
+            </a:extLst>
+          </p:cNvPr>
+          <p:cNvSpPr>
+            <a:spLocks noGrp="1"/>
+          </p:cNvSpPr>
+          <p:nvPr>
+            <p:ph idx="1"/>
+          </p:nvPr>
+        </p:nvSpPr>
+        <p:spPr/>
+        <p:txBody>
+          <a:bodyPr/>
+          <a:lstStyle/>
+          <a:p>
+            <a:r>
+              <a:rPr lang="en-US" dirty="0"/>
+              <a:t>Most virtual experiences focus heavily on WIMP selection methods.  This project will leverage a HUD to allow the user to scroll through museum sections and featured exhibits</a:t>
+            </a:r>
+          </a:p>
+          <a:p>
+            <a:r>
+              <a:rPr lang="en-US" dirty="0"/>
+              <a:t>The right side of the display will be nested menus, beginning with the sections of the museum, additionally, a search option will be available</a:t>
+            </a:r>
+          </a:p>
+          <a:p>
+            <a:pPr lvl="1"/>
+            <a:r>
+              <a:rPr lang="en-US" dirty="0"/>
+              <a:t>Within each section will be the large exhibits broken down by subsection</a:t>
+            </a:r>
+          </a:p>
+          <a:p>
+            <a:r>
+              <a:rPr lang="en-US" dirty="0"/>
+              <a:t>The left side of the display will feature section and/or exhibit descriptions when one is selected.</a:t>
+            </a:r>
+          </a:p>
+        </p:txBody>
+      </p:sp>
+    </p:spTree>
+    <p:extLst>
+      <p:ext uri="{BB962C8B-B14F-4D97-AF65-F5344CB8AC3E}">
+        <p14:creationId xmlns:p14="http://schemas.microsoft.com/office/powerpoint/2010/main" val="2321724914"/>
+      </p:ext>
+    </p:extLst>
+  </p:cSld>
+  <p:clrMapOvr>
+    <a:masterClrMapping/>
+  </p:clrMapOvr>
+</p:sld>
+</file>
+
+<file path=ppt/slides/slide8.xml><?xml version="1.0" encoding="utf-8"?>
+<p:sld xmlns:a="http://schemas.openxmlformats.org/drawingml/2006/main" xmlns:r="http://schemas.openxmlformats.org/officeDocument/2006/relationships" xmlns:p="http://schemas.openxmlformats.org/presentationml/2006/main">
+  <p:cSld>
+    <p:spTree>
+      <p:nvGrpSpPr>
+        <p:cNvPr id="1" name=""/>
+        <p:cNvGrpSpPr/>
+        <p:nvPr/>
+      </p:nvGrpSpPr>
+      <p:grpSpPr>
+        <a:xfrm>
+          <a:off x="0" y="0"/>
+          <a:ext cx="0" cy="0"/>
+          <a:chOff x="0" y="0"/>
+          <a:chExt cx="0" cy="0"/>
+        </a:xfrm>
+      </p:grpSpPr>
+      <p:sp>
+        <p:nvSpPr>
+          <p:cNvPr id="2" name="Title 1">
+            <a:extLst>
+              <a:ext uri="{FF2B5EF4-FFF2-40B4-BE49-F238E27FC236}">
                 <a16:creationId xmlns:a16="http://schemas.microsoft.com/office/drawing/2014/main" id="{ECE0C2B1-3B0F-9848-9BAA-68C1CDD92388}"/>
               </a:ext>
             </a:extLst>
@@ -3796,7 +4169,7 @@
 </p:sld>
 </file>
 
-<file path=ppt/slides/slide6.xml><?xml version="1.0" encoding="utf-8"?>
+<file path=ppt/slides/slide9.xml><?xml version="1.0" encoding="utf-8"?>
 <p:sld xmlns:a="http://schemas.openxmlformats.org/drawingml/2006/main" xmlns:r="http://schemas.openxmlformats.org/officeDocument/2006/relationships" xmlns:p="http://schemas.openxmlformats.org/presentationml/2006/main">
   <p:cSld>
     <p:spTree>
